--- a/WeeklyPresentations/update8_05_06.pptx
+++ b/WeeklyPresentations/update8_05_06.pptx
@@ -4166,7 +4166,20 @@
             <a:endParaRPr lang="en-US" dirty="0"/>
           </a:p>
           <a:p>
-            <a:endParaRPr lang="en-US" dirty="0"/>
+            <a:r>
+              <a:rPr lang="en-US" dirty="0"/>
+              <a:t>0d0f –  	</a:t>
+            </a:r>
+            <a:r>
+              <a:rPr lang="en-US" dirty="0">
+                <a:solidFill>
+                  <a:schemeClr val="accent6">
+                    <a:lumMod val="50000"/>
+                  </a:schemeClr>
+                </a:solidFill>
+              </a:rPr>
+              <a:t>0.408</a:t>
+            </a:r>
           </a:p>
           <a:p>
             <a:endParaRPr lang="en-US" dirty="0"/>
@@ -4410,7 +4423,15 @@
           <a:p>
             <a:r>
               <a:rPr lang="en-US" dirty="0"/>
-              <a:t>FC1 performs 392 MACs, rounding error accumulates for each one, but end result is pretty close to the floating point values of the python script</a:t>
+              <a:t>FC1 performs 392 MACs for each neuron, rounding error accumulates for </a:t>
+            </a:r>
+            <a:r>
+              <a:rPr lang="en-US"/>
+              <a:t>each MAC, </a:t>
+            </a:r>
+            <a:r>
+              <a:rPr lang="en-US" dirty="0"/>
+              <a:t>but end result is pretty close to the floating point values of the python script</a:t>
             </a:r>
           </a:p>
           <a:p>
@@ -4498,15 +4519,62 @@
             <p:ph idx="1"/>
           </p:nvPr>
         </p:nvSpPr>
-        <p:spPr/>
-        <p:txBody>
-          <a:bodyPr/>
-          <a:lstStyle/>
-          <a:p>
-            <a:endParaRPr lang="en-US"/>
-          </a:p>
-        </p:txBody>
-      </p:sp>
+        <p:spPr>
+          <a:xfrm>
+            <a:off x="838200" y="1825625"/>
+            <a:ext cx="4273731" cy="4351338"/>
+          </a:xfrm>
+        </p:spPr>
+        <p:txBody>
+          <a:bodyPr/>
+          <a:lstStyle/>
+          <a:p>
+            <a:r>
+              <a:rPr lang="en-US" dirty="0"/>
+              <a:t>Resource usage for the FC1 and FC2</a:t>
+            </a:r>
+          </a:p>
+          <a:p>
+            <a:endParaRPr lang="en-US" dirty="0"/>
+          </a:p>
+          <a:p>
+            <a:r>
+              <a:rPr lang="en-US" dirty="0"/>
+              <a:t>Since focusing on fully connected to work on training later, probably will have one more FC0 layer, using 14x14 pooled input image with 392 (8 * 7 * 7) neurons, feeding into FC1</a:t>
+            </a:r>
+          </a:p>
+        </p:txBody>
+      </p:sp>
+      <p:pic>
+        <p:nvPicPr>
+          <p:cNvPr id="4" name="Picture 3">
+            <a:extLst>
+              <a:ext uri="{FF2B5EF4-FFF2-40B4-BE49-F238E27FC236}">
+                <a16:creationId xmlns:a16="http://schemas.microsoft.com/office/drawing/2014/main" id="{F2F0C3CA-AE72-45EC-BFD8-6CCDE7692962}"/>
+              </a:ext>
+            </a:extLst>
+          </p:cNvPr>
+          <p:cNvPicPr>
+            <a:picLocks noChangeAspect="1"/>
+          </p:cNvPicPr>
+          <p:nvPr/>
+        </p:nvPicPr>
+        <p:blipFill>
+          <a:blip r:embed="rId2"/>
+          <a:stretch>
+            <a:fillRect/>
+          </a:stretch>
+        </p:blipFill>
+        <p:spPr>
+          <a:xfrm>
+            <a:off x="5601788" y="2563131"/>
+            <a:ext cx="6328728" cy="2041525"/>
+          </a:xfrm>
+          <a:prstGeom prst="rect">
+            <a:avLst/>
+          </a:prstGeom>
+        </p:spPr>
+      </p:pic>
     </p:spTree>
     <p:extLst>
       <p:ext uri="{BB962C8B-B14F-4D97-AF65-F5344CB8AC3E}">

--- a/WeeklyPresentations/update8_05_06.pptx
+++ b/WeeklyPresentations/update8_05_06.pptx
@@ -4567,8 +4567,38 @@
         </p:blipFill>
         <p:spPr>
           <a:xfrm>
-            <a:off x="5601788" y="2563131"/>
+            <a:off x="5558245" y="1027906"/>
             <a:ext cx="6328728" cy="2041525"/>
+          </a:xfrm>
+          <a:prstGeom prst="rect">
+            <a:avLst/>
+          </a:prstGeom>
+        </p:spPr>
+      </p:pic>
+      <p:pic>
+        <p:nvPicPr>
+          <p:cNvPr id="5" name="Picture 4">
+            <a:extLst>
+              <a:ext uri="{FF2B5EF4-FFF2-40B4-BE49-F238E27FC236}">
+                <a16:creationId xmlns:a16="http://schemas.microsoft.com/office/drawing/2014/main" id="{A998DCE7-465A-44F7-BDC5-5F6CC9FA3BB4}"/>
+              </a:ext>
+            </a:extLst>
+          </p:cNvPr>
+          <p:cNvPicPr>
+            <a:picLocks noChangeAspect="1"/>
+          </p:cNvPicPr>
+          <p:nvPr/>
+        </p:nvPicPr>
+        <p:blipFill>
+          <a:blip r:embed="rId3"/>
+          <a:stretch>
+            <a:fillRect/>
+          </a:stretch>
+        </p:blipFill>
+        <p:spPr>
+          <a:xfrm>
+            <a:off x="5229225" y="4095406"/>
+            <a:ext cx="6894272" cy="1734688"/>
           </a:xfrm>
           <a:prstGeom prst="rect">
             <a:avLst/>
